--- a/trunk/product/muUIComponent.pptx
+++ b/trunk/product/muUIComponent.pptx
@@ -6,11 +6,12 @@
     <p:sldMasterId id="2147483690" r:id="rId2"/>
   </p:sldMasterIdLst>
   <p:notesMasterIdLst>
-    <p:notesMasterId r:id="rId5"/>
+    <p:notesMasterId r:id="rId6"/>
   </p:notesMasterIdLst>
   <p:sldIdLst>
     <p:sldId id="273" r:id="rId3"/>
     <p:sldId id="274" r:id="rId4"/>
+    <p:sldId id="275" r:id="rId5"/>
   </p:sldIdLst>
   <p:sldSz cx="3336925" cy="6858000"/>
   <p:notesSz cx="7104063" cy="10234613"/>
@@ -6699,6 +6700,1337 @@
 </p:sld>
 </file>
 
+<file path=ppt/slides/slide3.xml><?xml version="1.0" encoding="utf-8"?>
+<p:sld xmlns:a="http://schemas.openxmlformats.org/drawingml/2006/main" xmlns:r="http://schemas.openxmlformats.org/officeDocument/2006/relationships" xmlns:p="http://schemas.openxmlformats.org/presentationml/2006/main">
+  <p:cSld>
+    <p:spTree>
+      <p:nvGrpSpPr>
+        <p:cNvPr id="1" name=""/>
+        <p:cNvGrpSpPr/>
+        <p:nvPr/>
+      </p:nvGrpSpPr>
+      <p:grpSpPr>
+        <a:xfrm>
+          <a:off x="0" y="0"/>
+          <a:ext cx="0" cy="0"/>
+          <a:chOff x="0" y="0"/>
+          <a:chExt cx="0" cy="0"/>
+        </a:xfrm>
+      </p:grpSpPr>
+      <p:grpSp>
+        <p:nvGrpSpPr>
+          <p:cNvPr id="31" name="组合 30">
+            <a:extLst>
+              <a:ext uri="{FF2B5EF4-FFF2-40B4-BE49-F238E27FC236}">
+                <a16:creationId xmlns:a16="http://schemas.microsoft.com/office/drawing/2014/main" id="{AC0C7463-7EDF-44EB-9866-C3D688D51D33}"/>
+              </a:ext>
+            </a:extLst>
+          </p:cNvPr>
+          <p:cNvGrpSpPr/>
+          <p:nvPr/>
+        </p:nvGrpSpPr>
+        <p:grpSpPr>
+          <a:xfrm>
+            <a:off x="223687" y="943121"/>
+            <a:ext cx="3080225" cy="366379"/>
+            <a:chOff x="223687" y="943121"/>
+            <a:chExt cx="3080225" cy="366379"/>
+          </a:xfrm>
+        </p:grpSpPr>
+        <p:grpSp>
+          <p:nvGrpSpPr>
+            <p:cNvPr id="27" name="组合 26">
+              <a:extLst>
+                <a:ext uri="{FF2B5EF4-FFF2-40B4-BE49-F238E27FC236}">
+                  <a16:creationId xmlns:a16="http://schemas.microsoft.com/office/drawing/2014/main" id="{4DD76F92-4E56-47BC-A184-0AFB079E624C}"/>
+                </a:ext>
+              </a:extLst>
+            </p:cNvPr>
+            <p:cNvGrpSpPr/>
+            <p:nvPr/>
+          </p:nvGrpSpPr>
+          <p:grpSpPr>
+            <a:xfrm>
+              <a:off x="223687" y="943121"/>
+              <a:ext cx="3080225" cy="366379"/>
+              <a:chOff x="223687" y="943121"/>
+              <a:chExt cx="3080225" cy="366379"/>
+            </a:xfrm>
+          </p:grpSpPr>
+          <p:sp>
+            <p:nvSpPr>
+              <p:cNvPr id="20" name="矩形 19">
+                <a:extLst>
+                  <a:ext uri="{FF2B5EF4-FFF2-40B4-BE49-F238E27FC236}">
+                    <a16:creationId xmlns:a16="http://schemas.microsoft.com/office/drawing/2014/main" id="{EAFD0E9D-F5CB-491E-937C-0338B774F703}"/>
+                  </a:ext>
+                </a:extLst>
+              </p:cNvPr>
+              <p:cNvSpPr/>
+              <p:nvPr/>
+            </p:nvSpPr>
+            <p:spPr>
+              <a:xfrm>
+                <a:off x="223687" y="943121"/>
+                <a:ext cx="3080225" cy="366379"/>
+              </a:xfrm>
+              <a:prstGeom prst="rect">
+                <a:avLst/>
+              </a:prstGeom>
+              <a:solidFill>
+                <a:schemeClr val="bg1"/>
+              </a:solidFill>
+              <a:ln>
+                <a:noFill/>
+              </a:ln>
+            </p:spPr>
+            <p:style>
+              <a:lnRef idx="2">
+                <a:schemeClr val="accent1">
+                  <a:shade val="50000"/>
+                </a:schemeClr>
+              </a:lnRef>
+              <a:fillRef idx="1">
+                <a:schemeClr val="accent1"/>
+              </a:fillRef>
+              <a:effectRef idx="0">
+                <a:schemeClr val="accent1"/>
+              </a:effectRef>
+              <a:fontRef idx="minor">
+                <a:schemeClr val="lt1"/>
+              </a:fontRef>
+            </p:style>
+            <p:txBody>
+              <a:bodyPr rtlCol="0" anchor="ctr"/>
+              <a:lstStyle/>
+              <a:p>
+                <a:pPr algn="l">
+                  <a:lnSpc>
+                    <a:spcPct val="150000"/>
+                  </a:lnSpc>
+                </a:pPr>
+                <a:endParaRPr lang="zh-CN" altLang="en-US" sz="1000" dirty="0">
+                  <a:solidFill>
+                    <a:schemeClr val="tx1"/>
+                  </a:solidFill>
+                  <a:latin typeface="微软雅黑" panose="020B0503020204020204" pitchFamily="34" charset="-122"/>
+                  <a:ea typeface="微软雅黑" panose="020B0503020204020204" pitchFamily="34" charset="-122"/>
+                </a:endParaRPr>
+              </a:p>
+            </p:txBody>
+          </p:sp>
+          <p:sp>
+            <p:nvSpPr>
+              <p:cNvPr id="21" name="椭圆 20">
+                <a:extLst>
+                  <a:ext uri="{FF2B5EF4-FFF2-40B4-BE49-F238E27FC236}">
+                    <a16:creationId xmlns:a16="http://schemas.microsoft.com/office/drawing/2014/main" id="{43867AEE-0C21-4F11-9738-38B4458BFF90}"/>
+                  </a:ext>
+                </a:extLst>
+              </p:cNvPr>
+              <p:cNvSpPr/>
+              <p:nvPr/>
+            </p:nvSpPr>
+            <p:spPr>
+              <a:xfrm>
+                <a:off x="293745" y="1028456"/>
+                <a:ext cx="195708" cy="195708"/>
+              </a:xfrm>
+              <a:prstGeom prst="ellipse">
+                <a:avLst/>
+              </a:prstGeom>
+              <a:solidFill>
+                <a:srgbClr val="09BB07"/>
+              </a:solidFill>
+              <a:ln>
+                <a:noFill/>
+              </a:ln>
+            </p:spPr>
+            <p:style>
+              <a:lnRef idx="2">
+                <a:schemeClr val="accent1">
+                  <a:shade val="50000"/>
+                </a:schemeClr>
+              </a:lnRef>
+              <a:fillRef idx="1">
+                <a:schemeClr val="accent1"/>
+              </a:fillRef>
+              <a:effectRef idx="0">
+                <a:schemeClr val="accent1"/>
+              </a:effectRef>
+              <a:fontRef idx="minor">
+                <a:schemeClr val="lt1"/>
+              </a:fontRef>
+            </p:style>
+            <p:txBody>
+              <a:bodyPr rtlCol="0" anchor="ctr"/>
+              <a:lstStyle/>
+              <a:p>
+                <a:pPr algn="l">
+                  <a:lnSpc>
+                    <a:spcPct val="150000"/>
+                  </a:lnSpc>
+                </a:pPr>
+                <a:endParaRPr lang="zh-CN" altLang="en-US" sz="1000" dirty="0">
+                  <a:solidFill>
+                    <a:schemeClr val="tx1"/>
+                  </a:solidFill>
+                  <a:latin typeface="微软雅黑" panose="020B0503020204020204" pitchFamily="34" charset="-122"/>
+                  <a:ea typeface="微软雅黑" panose="020B0503020204020204" pitchFamily="34" charset="-122"/>
+                </a:endParaRPr>
+              </a:p>
+            </p:txBody>
+          </p:sp>
+          <p:cxnSp>
+            <p:nvCxnSpPr>
+              <p:cNvPr id="22" name="直接连接符 21">
+                <a:extLst>
+                  <a:ext uri="{FF2B5EF4-FFF2-40B4-BE49-F238E27FC236}">
+                    <a16:creationId xmlns:a16="http://schemas.microsoft.com/office/drawing/2014/main" id="{CA3AAF72-56DB-4B65-91E5-D767C696F7CA}"/>
+                  </a:ext>
+                </a:extLst>
+              </p:cNvPr>
+              <p:cNvCxnSpPr/>
+              <p:nvPr/>
+            </p:nvCxnSpPr>
+            <p:spPr>
+              <a:xfrm>
+                <a:off x="293745" y="1309500"/>
+                <a:ext cx="3010167" cy="0"/>
+              </a:xfrm>
+              <a:prstGeom prst="line">
+                <a:avLst/>
+              </a:prstGeom>
+              <a:ln>
+                <a:solidFill>
+                  <a:srgbClr val="C7C7C7"/>
+                </a:solidFill>
+              </a:ln>
+            </p:spPr>
+            <p:style>
+              <a:lnRef idx="1">
+                <a:schemeClr val="accent1"/>
+              </a:lnRef>
+              <a:fillRef idx="0">
+                <a:schemeClr val="accent1"/>
+              </a:fillRef>
+              <a:effectRef idx="0">
+                <a:schemeClr val="accent1"/>
+              </a:effectRef>
+              <a:fontRef idx="minor">
+                <a:schemeClr val="tx1"/>
+              </a:fontRef>
+            </p:style>
+          </p:cxnSp>
+          <p:cxnSp>
+            <p:nvCxnSpPr>
+              <p:cNvPr id="23" name="直接连接符 22">
+                <a:extLst>
+                  <a:ext uri="{FF2B5EF4-FFF2-40B4-BE49-F238E27FC236}">
+                    <a16:creationId xmlns:a16="http://schemas.microsoft.com/office/drawing/2014/main" id="{C7185D46-7C84-44C9-B83E-75AF8581AEBB}"/>
+                  </a:ext>
+                </a:extLst>
+              </p:cNvPr>
+              <p:cNvCxnSpPr/>
+              <p:nvPr/>
+            </p:nvCxnSpPr>
+            <p:spPr>
+              <a:xfrm>
+                <a:off x="223687" y="943121"/>
+                <a:ext cx="3080225" cy="0"/>
+              </a:xfrm>
+              <a:prstGeom prst="line">
+                <a:avLst/>
+              </a:prstGeom>
+              <a:ln>
+                <a:solidFill>
+                  <a:srgbClr val="C7C7C7"/>
+                </a:solidFill>
+              </a:ln>
+            </p:spPr>
+            <p:style>
+              <a:lnRef idx="1">
+                <a:schemeClr val="accent1"/>
+              </a:lnRef>
+              <a:fillRef idx="0">
+                <a:schemeClr val="accent1"/>
+              </a:fillRef>
+              <a:effectRef idx="0">
+                <a:schemeClr val="accent1"/>
+              </a:effectRef>
+              <a:fontRef idx="minor">
+                <a:schemeClr val="tx1"/>
+              </a:fontRef>
+            </p:style>
+          </p:cxnSp>
+          <p:pic>
+            <p:nvPicPr>
+              <p:cNvPr id="25" name="图片 24">
+                <a:extLst>
+                  <a:ext uri="{FF2B5EF4-FFF2-40B4-BE49-F238E27FC236}">
+                    <a16:creationId xmlns:a16="http://schemas.microsoft.com/office/drawing/2014/main" id="{2223CD5D-CA70-4EF8-8D92-26A9438940D3}"/>
+                  </a:ext>
+                </a:extLst>
+              </p:cNvPr>
+              <p:cNvPicPr>
+                <a:picLocks noChangeAspect="1"/>
+              </p:cNvPicPr>
+              <p:nvPr/>
+            </p:nvPicPr>
+            <p:blipFill rotWithShape="1">
+              <a:blip r:embed="rId2">
+                <a:extLst>
+                  <a:ext uri="{BEBA8EAE-BF5A-486C-A8C5-ECC9F3942E4B}">
+                    <a14:imgProps xmlns:a14="http://schemas.microsoft.com/office/drawing/2010/main">
+                      <a14:imgLayer r:embed="rId3">
+                        <a14:imgEffect>
+                          <a14:backgroundRemoval t="30028" b="76089" l="47246" r="52197"/>
+                        </a14:imgEffect>
+                      </a14:imgLayer>
+                    </a14:imgProps>
+                  </a:ext>
+                </a:extLst>
+              </a:blip>
+              <a:srcRect l="46627" t="24271" r="47184" b="18153"/>
+              <a:stretch/>
+            </p:blipFill>
+            <p:spPr>
+              <a:xfrm>
+                <a:off x="3088522" y="1063862"/>
+                <a:ext cx="120433" cy="124896"/>
+              </a:xfrm>
+              <a:prstGeom prst="rect">
+                <a:avLst/>
+              </a:prstGeom>
+            </p:spPr>
+          </p:pic>
+          <p:pic>
+            <p:nvPicPr>
+              <p:cNvPr id="26" name="图片 25">
+                <a:extLst>
+                  <a:ext uri="{FF2B5EF4-FFF2-40B4-BE49-F238E27FC236}">
+                    <a16:creationId xmlns:a16="http://schemas.microsoft.com/office/drawing/2014/main" id="{8D3DB578-D89B-432C-9440-B06B11E8E1EE}"/>
+                  </a:ext>
+                </a:extLst>
+              </p:cNvPr>
+              <p:cNvPicPr>
+                <a:picLocks noChangeAspect="1"/>
+              </p:cNvPicPr>
+              <p:nvPr/>
+            </p:nvPicPr>
+            <p:blipFill rotWithShape="1">
+              <a:blip r:embed="rId2">
+                <a:biLevel thresh="25000"/>
+                <a:extLst>
+                  <a:ext uri="{BEBA8EAE-BF5A-486C-A8C5-ECC9F3942E4B}">
+                    <a14:imgProps xmlns:a14="http://schemas.microsoft.com/office/drawing/2010/main">
+                      <a14:imgLayer r:embed="rId3">
+                        <a14:imgEffect>
+                          <a14:backgroundRemoval t="30028" b="76089" l="47246" r="52197"/>
+                        </a14:imgEffect>
+                      </a14:imgLayer>
+                    </a14:imgProps>
+                  </a:ext>
+                </a:extLst>
+              </a:blip>
+              <a:srcRect l="46627" t="24271" r="47184" b="18153"/>
+              <a:stretch/>
+            </p:blipFill>
+            <p:spPr>
+              <a:xfrm>
+                <a:off x="325552" y="1061785"/>
+                <a:ext cx="120433" cy="124896"/>
+              </a:xfrm>
+              <a:prstGeom prst="rect">
+                <a:avLst/>
+              </a:prstGeom>
+            </p:spPr>
+          </p:pic>
+        </p:grpSp>
+        <p:sp>
+          <p:nvSpPr>
+            <p:cNvPr id="28" name="文本框 27">
+              <a:extLst>
+                <a:ext uri="{FF2B5EF4-FFF2-40B4-BE49-F238E27FC236}">
+                  <a16:creationId xmlns:a16="http://schemas.microsoft.com/office/drawing/2014/main" id="{2B7A5C84-6029-41B8-9B9D-E87DABB8D9E5}"/>
+                </a:ext>
+              </a:extLst>
+            </p:cNvPr>
+            <p:cNvSpPr txBox="1"/>
+            <p:nvPr/>
+          </p:nvSpPr>
+          <p:spPr>
+            <a:xfrm>
+              <a:off x="594732" y="995506"/>
+              <a:ext cx="1397619" cy="261610"/>
+            </a:xfrm>
+            <a:prstGeom prst="rect">
+              <a:avLst/>
+            </a:prstGeom>
+            <a:noFill/>
+          </p:spPr>
+          <p:txBody>
+            <a:bodyPr wrap="square" rtlCol="0">
+              <a:spAutoFit/>
+            </a:bodyPr>
+            <a:lstStyle/>
+            <a:p>
+              <a:pPr algn="l"/>
+              <a:r>
+                <a:rPr lang="zh-CN" altLang="en-US" sz="1050" dirty="0">
+                  <a:latin typeface="微软雅黑" panose="020B0503020204020204" pitchFamily="34" charset="-122"/>
+                  <a:ea typeface="微软雅黑" panose="020B0503020204020204" pitchFamily="34" charset="-122"/>
+                </a:rPr>
+                <a:t>多选项</a:t>
+              </a:r>
+            </a:p>
+          </p:txBody>
+        </p:sp>
+      </p:grpSp>
+      <p:grpSp>
+        <p:nvGrpSpPr>
+          <p:cNvPr id="30" name="组合 29">
+            <a:extLst>
+              <a:ext uri="{FF2B5EF4-FFF2-40B4-BE49-F238E27FC236}">
+                <a16:creationId xmlns:a16="http://schemas.microsoft.com/office/drawing/2014/main" id="{0E086F35-3E46-4209-93B7-C93B9054CCAF}"/>
+              </a:ext>
+            </a:extLst>
+          </p:cNvPr>
+          <p:cNvGrpSpPr/>
+          <p:nvPr/>
+        </p:nvGrpSpPr>
+        <p:grpSpPr>
+          <a:xfrm>
+            <a:off x="223686" y="1309499"/>
+            <a:ext cx="3080225" cy="366379"/>
+            <a:chOff x="223687" y="1464232"/>
+            <a:chExt cx="3080225" cy="366379"/>
+          </a:xfrm>
+        </p:grpSpPr>
+        <p:grpSp>
+          <p:nvGrpSpPr>
+            <p:cNvPr id="18" name="组合 17">
+              <a:extLst>
+                <a:ext uri="{FF2B5EF4-FFF2-40B4-BE49-F238E27FC236}">
+                  <a16:creationId xmlns:a16="http://schemas.microsoft.com/office/drawing/2014/main" id="{1998C39E-17AD-48E3-869D-317FD53E7E3A}"/>
+                </a:ext>
+              </a:extLst>
+            </p:cNvPr>
+            <p:cNvGrpSpPr/>
+            <p:nvPr/>
+          </p:nvGrpSpPr>
+          <p:grpSpPr>
+            <a:xfrm>
+              <a:off x="223687" y="1464232"/>
+              <a:ext cx="3080225" cy="366379"/>
+              <a:chOff x="153629" y="2376821"/>
+              <a:chExt cx="3080225" cy="366379"/>
+            </a:xfrm>
+          </p:grpSpPr>
+          <p:sp>
+            <p:nvSpPr>
+              <p:cNvPr id="8" name="矩形 7">
+                <a:extLst>
+                  <a:ext uri="{FF2B5EF4-FFF2-40B4-BE49-F238E27FC236}">
+                    <a16:creationId xmlns:a16="http://schemas.microsoft.com/office/drawing/2014/main" id="{4E73A2DC-E734-42FD-8A57-8C7DC49F3554}"/>
+                  </a:ext>
+                </a:extLst>
+              </p:cNvPr>
+              <p:cNvSpPr/>
+              <p:nvPr/>
+            </p:nvSpPr>
+            <p:spPr>
+              <a:xfrm>
+                <a:off x="153629" y="2376821"/>
+                <a:ext cx="3080225" cy="366379"/>
+              </a:xfrm>
+              <a:prstGeom prst="rect">
+                <a:avLst/>
+              </a:prstGeom>
+              <a:solidFill>
+                <a:schemeClr val="bg1"/>
+              </a:solidFill>
+              <a:ln>
+                <a:noFill/>
+              </a:ln>
+            </p:spPr>
+            <p:style>
+              <a:lnRef idx="2">
+                <a:schemeClr val="accent1">
+                  <a:shade val="50000"/>
+                </a:schemeClr>
+              </a:lnRef>
+              <a:fillRef idx="1">
+                <a:schemeClr val="accent1"/>
+              </a:fillRef>
+              <a:effectRef idx="0">
+                <a:schemeClr val="accent1"/>
+              </a:effectRef>
+              <a:fontRef idx="minor">
+                <a:schemeClr val="lt1"/>
+              </a:fontRef>
+            </p:style>
+            <p:txBody>
+              <a:bodyPr rtlCol="0" anchor="ctr"/>
+              <a:lstStyle/>
+              <a:p>
+                <a:pPr algn="l">
+                  <a:lnSpc>
+                    <a:spcPct val="150000"/>
+                  </a:lnSpc>
+                </a:pPr>
+                <a:endParaRPr lang="zh-CN" altLang="en-US" sz="1000" dirty="0">
+                  <a:solidFill>
+                    <a:schemeClr val="tx1"/>
+                  </a:solidFill>
+                  <a:latin typeface="微软雅黑" panose="020B0503020204020204" pitchFamily="34" charset="-122"/>
+                  <a:ea typeface="微软雅黑" panose="020B0503020204020204" pitchFamily="34" charset="-122"/>
+                </a:endParaRPr>
+              </a:p>
+            </p:txBody>
+          </p:sp>
+          <p:sp>
+            <p:nvSpPr>
+              <p:cNvPr id="10" name="椭圆 9">
+                <a:extLst>
+                  <a:ext uri="{FF2B5EF4-FFF2-40B4-BE49-F238E27FC236}">
+                    <a16:creationId xmlns:a16="http://schemas.microsoft.com/office/drawing/2014/main" id="{B2FDFE3D-4A19-44FA-9B30-C6EF3DC8C010}"/>
+                  </a:ext>
+                </a:extLst>
+              </p:cNvPr>
+              <p:cNvSpPr/>
+              <p:nvPr/>
+            </p:nvSpPr>
+            <p:spPr>
+              <a:xfrm>
+                <a:off x="223687" y="2462156"/>
+                <a:ext cx="195708" cy="195708"/>
+              </a:xfrm>
+              <a:prstGeom prst="ellipse">
+                <a:avLst/>
+              </a:prstGeom>
+              <a:noFill/>
+              <a:ln>
+                <a:solidFill>
+                  <a:srgbClr val="CACACA"/>
+                </a:solidFill>
+              </a:ln>
+            </p:spPr>
+            <p:style>
+              <a:lnRef idx="2">
+                <a:schemeClr val="accent1">
+                  <a:shade val="50000"/>
+                </a:schemeClr>
+              </a:lnRef>
+              <a:fillRef idx="1">
+                <a:schemeClr val="accent1"/>
+              </a:fillRef>
+              <a:effectRef idx="0">
+                <a:schemeClr val="accent1"/>
+              </a:effectRef>
+              <a:fontRef idx="minor">
+                <a:schemeClr val="lt1"/>
+              </a:fontRef>
+            </p:style>
+            <p:txBody>
+              <a:bodyPr rtlCol="0" anchor="ctr"/>
+              <a:lstStyle/>
+              <a:p>
+                <a:pPr algn="l">
+                  <a:lnSpc>
+                    <a:spcPct val="150000"/>
+                  </a:lnSpc>
+                </a:pPr>
+                <a:endParaRPr lang="zh-CN" altLang="en-US" sz="1000" dirty="0">
+                  <a:solidFill>
+                    <a:schemeClr val="tx1"/>
+                  </a:solidFill>
+                  <a:latin typeface="微软雅黑" panose="020B0503020204020204" pitchFamily="34" charset="-122"/>
+                  <a:ea typeface="微软雅黑" panose="020B0503020204020204" pitchFamily="34" charset="-122"/>
+                </a:endParaRPr>
+              </a:p>
+            </p:txBody>
+          </p:sp>
+          <p:cxnSp>
+            <p:nvCxnSpPr>
+              <p:cNvPr id="15" name="直接连接符 14">
+                <a:extLst>
+                  <a:ext uri="{FF2B5EF4-FFF2-40B4-BE49-F238E27FC236}">
+                    <a16:creationId xmlns:a16="http://schemas.microsoft.com/office/drawing/2014/main" id="{20B99414-7C7A-43F7-943C-8A82FB77252A}"/>
+                  </a:ext>
+                </a:extLst>
+              </p:cNvPr>
+              <p:cNvCxnSpPr/>
+              <p:nvPr/>
+            </p:nvCxnSpPr>
+            <p:spPr>
+              <a:xfrm>
+                <a:off x="223687" y="2743200"/>
+                <a:ext cx="3010167" cy="0"/>
+              </a:xfrm>
+              <a:prstGeom prst="line">
+                <a:avLst/>
+              </a:prstGeom>
+              <a:ln>
+                <a:solidFill>
+                  <a:srgbClr val="C7C7C7"/>
+                </a:solidFill>
+              </a:ln>
+            </p:spPr>
+            <p:style>
+              <a:lnRef idx="1">
+                <a:schemeClr val="accent1"/>
+              </a:lnRef>
+              <a:fillRef idx="0">
+                <a:schemeClr val="accent1"/>
+              </a:fillRef>
+              <a:effectRef idx="0">
+                <a:schemeClr val="accent1"/>
+              </a:effectRef>
+              <a:fontRef idx="minor">
+                <a:schemeClr val="tx1"/>
+              </a:fontRef>
+            </p:style>
+          </p:cxnSp>
+          <p:cxnSp>
+            <p:nvCxnSpPr>
+              <p:cNvPr id="17" name="直接连接符 16">
+                <a:extLst>
+                  <a:ext uri="{FF2B5EF4-FFF2-40B4-BE49-F238E27FC236}">
+                    <a16:creationId xmlns:a16="http://schemas.microsoft.com/office/drawing/2014/main" id="{61D1FE7A-049B-4FF5-8F16-D56785AE1E38}"/>
+                  </a:ext>
+                </a:extLst>
+              </p:cNvPr>
+              <p:cNvCxnSpPr>
+                <a:cxnSpLocks/>
+              </p:cNvCxnSpPr>
+              <p:nvPr/>
+            </p:nvCxnSpPr>
+            <p:spPr>
+              <a:xfrm>
+                <a:off x="223687" y="2376821"/>
+                <a:ext cx="3010167" cy="0"/>
+              </a:xfrm>
+              <a:prstGeom prst="line">
+                <a:avLst/>
+              </a:prstGeom>
+              <a:ln>
+                <a:solidFill>
+                  <a:srgbClr val="C7C7C7"/>
+                </a:solidFill>
+              </a:ln>
+            </p:spPr>
+            <p:style>
+              <a:lnRef idx="1">
+                <a:schemeClr val="accent1"/>
+              </a:lnRef>
+              <a:fillRef idx="0">
+                <a:schemeClr val="accent1"/>
+              </a:fillRef>
+              <a:effectRef idx="0">
+                <a:schemeClr val="accent1"/>
+              </a:effectRef>
+              <a:fontRef idx="minor">
+                <a:schemeClr val="tx1"/>
+              </a:fontRef>
+            </p:style>
+          </p:cxnSp>
+        </p:grpSp>
+        <p:sp>
+          <p:nvSpPr>
+            <p:cNvPr id="29" name="文本框 28">
+              <a:extLst>
+                <a:ext uri="{FF2B5EF4-FFF2-40B4-BE49-F238E27FC236}">
+                  <a16:creationId xmlns:a16="http://schemas.microsoft.com/office/drawing/2014/main" id="{D76C8B02-85C0-4B2D-B52C-02905306DFD6}"/>
+                </a:ext>
+              </a:extLst>
+            </p:cNvPr>
+            <p:cNvSpPr txBox="1"/>
+            <p:nvPr/>
+          </p:nvSpPr>
+          <p:spPr>
+            <a:xfrm>
+              <a:off x="650489" y="1515976"/>
+              <a:ext cx="1397619" cy="261610"/>
+            </a:xfrm>
+            <a:prstGeom prst="rect">
+              <a:avLst/>
+            </a:prstGeom>
+            <a:noFill/>
+          </p:spPr>
+          <p:txBody>
+            <a:bodyPr wrap="square" rtlCol="0">
+              <a:spAutoFit/>
+            </a:bodyPr>
+            <a:lstStyle/>
+            <a:p>
+              <a:pPr algn="l"/>
+              <a:r>
+                <a:rPr lang="zh-CN" altLang="en-US" sz="1050" dirty="0">
+                  <a:latin typeface="微软雅黑" panose="020B0503020204020204" pitchFamily="34" charset="-122"/>
+                  <a:ea typeface="微软雅黑" panose="020B0503020204020204" pitchFamily="34" charset="-122"/>
+                </a:rPr>
+                <a:t>多选项</a:t>
+              </a:r>
+            </a:p>
+          </p:txBody>
+        </p:sp>
+      </p:grpSp>
+      <p:grpSp>
+        <p:nvGrpSpPr>
+          <p:cNvPr id="33" name="组合 32">
+            <a:extLst>
+              <a:ext uri="{FF2B5EF4-FFF2-40B4-BE49-F238E27FC236}">
+                <a16:creationId xmlns:a16="http://schemas.microsoft.com/office/drawing/2014/main" id="{2A420A18-5E00-45D2-8778-A5A8251A736B}"/>
+              </a:ext>
+            </a:extLst>
+          </p:cNvPr>
+          <p:cNvGrpSpPr/>
+          <p:nvPr/>
+        </p:nvGrpSpPr>
+        <p:grpSpPr>
+          <a:xfrm>
+            <a:off x="223685" y="1674595"/>
+            <a:ext cx="3080225" cy="366379"/>
+            <a:chOff x="223687" y="1464232"/>
+            <a:chExt cx="3080225" cy="366379"/>
+          </a:xfrm>
+        </p:grpSpPr>
+        <p:grpSp>
+          <p:nvGrpSpPr>
+            <p:cNvPr id="34" name="组合 33">
+              <a:extLst>
+                <a:ext uri="{FF2B5EF4-FFF2-40B4-BE49-F238E27FC236}">
+                  <a16:creationId xmlns:a16="http://schemas.microsoft.com/office/drawing/2014/main" id="{C8C5A0B3-1F3A-4D7C-8BC7-7E27A656C607}"/>
+                </a:ext>
+              </a:extLst>
+            </p:cNvPr>
+            <p:cNvGrpSpPr/>
+            <p:nvPr/>
+          </p:nvGrpSpPr>
+          <p:grpSpPr>
+            <a:xfrm>
+              <a:off x="223687" y="1464232"/>
+              <a:ext cx="3080225" cy="366379"/>
+              <a:chOff x="153629" y="2376821"/>
+              <a:chExt cx="3080225" cy="366379"/>
+            </a:xfrm>
+          </p:grpSpPr>
+          <p:sp>
+            <p:nvSpPr>
+              <p:cNvPr id="36" name="矩形 35">
+                <a:extLst>
+                  <a:ext uri="{FF2B5EF4-FFF2-40B4-BE49-F238E27FC236}">
+                    <a16:creationId xmlns:a16="http://schemas.microsoft.com/office/drawing/2014/main" id="{F5D80CC0-941A-4F47-AB05-BB47D898C963}"/>
+                  </a:ext>
+                </a:extLst>
+              </p:cNvPr>
+              <p:cNvSpPr/>
+              <p:nvPr/>
+            </p:nvSpPr>
+            <p:spPr>
+              <a:xfrm>
+                <a:off x="153629" y="2376821"/>
+                <a:ext cx="3080225" cy="366379"/>
+              </a:xfrm>
+              <a:prstGeom prst="rect">
+                <a:avLst/>
+              </a:prstGeom>
+              <a:solidFill>
+                <a:schemeClr val="bg1"/>
+              </a:solidFill>
+              <a:ln>
+                <a:noFill/>
+              </a:ln>
+            </p:spPr>
+            <p:style>
+              <a:lnRef idx="2">
+                <a:schemeClr val="accent1">
+                  <a:shade val="50000"/>
+                </a:schemeClr>
+              </a:lnRef>
+              <a:fillRef idx="1">
+                <a:schemeClr val="accent1"/>
+              </a:fillRef>
+              <a:effectRef idx="0">
+                <a:schemeClr val="accent1"/>
+              </a:effectRef>
+              <a:fontRef idx="minor">
+                <a:schemeClr val="lt1"/>
+              </a:fontRef>
+            </p:style>
+            <p:txBody>
+              <a:bodyPr rtlCol="0" anchor="ctr"/>
+              <a:lstStyle/>
+              <a:p>
+                <a:pPr algn="l">
+                  <a:lnSpc>
+                    <a:spcPct val="150000"/>
+                  </a:lnSpc>
+                </a:pPr>
+                <a:endParaRPr lang="zh-CN" altLang="en-US" sz="1000" dirty="0">
+                  <a:solidFill>
+                    <a:schemeClr val="tx1"/>
+                  </a:solidFill>
+                  <a:latin typeface="微软雅黑" panose="020B0503020204020204" pitchFamily="34" charset="-122"/>
+                  <a:ea typeface="微软雅黑" panose="020B0503020204020204" pitchFamily="34" charset="-122"/>
+                </a:endParaRPr>
+              </a:p>
+            </p:txBody>
+          </p:sp>
+          <p:sp>
+            <p:nvSpPr>
+              <p:cNvPr id="37" name="椭圆 36">
+                <a:extLst>
+                  <a:ext uri="{FF2B5EF4-FFF2-40B4-BE49-F238E27FC236}">
+                    <a16:creationId xmlns:a16="http://schemas.microsoft.com/office/drawing/2014/main" id="{4CFF95F9-8743-4364-9005-5D3EDA5C50DE}"/>
+                  </a:ext>
+                </a:extLst>
+              </p:cNvPr>
+              <p:cNvSpPr/>
+              <p:nvPr/>
+            </p:nvSpPr>
+            <p:spPr>
+              <a:xfrm>
+                <a:off x="223687" y="2462156"/>
+                <a:ext cx="195708" cy="195708"/>
+              </a:xfrm>
+              <a:prstGeom prst="ellipse">
+                <a:avLst/>
+              </a:prstGeom>
+              <a:noFill/>
+              <a:ln>
+                <a:solidFill>
+                  <a:srgbClr val="CACACA"/>
+                </a:solidFill>
+              </a:ln>
+            </p:spPr>
+            <p:style>
+              <a:lnRef idx="2">
+                <a:schemeClr val="accent1">
+                  <a:shade val="50000"/>
+                </a:schemeClr>
+              </a:lnRef>
+              <a:fillRef idx="1">
+                <a:schemeClr val="accent1"/>
+              </a:fillRef>
+              <a:effectRef idx="0">
+                <a:schemeClr val="accent1"/>
+              </a:effectRef>
+              <a:fontRef idx="minor">
+                <a:schemeClr val="lt1"/>
+              </a:fontRef>
+            </p:style>
+            <p:txBody>
+              <a:bodyPr rtlCol="0" anchor="ctr"/>
+              <a:lstStyle/>
+              <a:p>
+                <a:pPr algn="l">
+                  <a:lnSpc>
+                    <a:spcPct val="150000"/>
+                  </a:lnSpc>
+                </a:pPr>
+                <a:endParaRPr lang="zh-CN" altLang="en-US" sz="1000" dirty="0">
+                  <a:solidFill>
+                    <a:schemeClr val="tx1"/>
+                  </a:solidFill>
+                  <a:latin typeface="微软雅黑" panose="020B0503020204020204" pitchFamily="34" charset="-122"/>
+                  <a:ea typeface="微软雅黑" panose="020B0503020204020204" pitchFamily="34" charset="-122"/>
+                </a:endParaRPr>
+              </a:p>
+            </p:txBody>
+          </p:sp>
+          <p:cxnSp>
+            <p:nvCxnSpPr>
+              <p:cNvPr id="38" name="直接连接符 37">
+                <a:extLst>
+                  <a:ext uri="{FF2B5EF4-FFF2-40B4-BE49-F238E27FC236}">
+                    <a16:creationId xmlns:a16="http://schemas.microsoft.com/office/drawing/2014/main" id="{168FD29B-5CC9-470E-8593-3A0B47FB57BA}"/>
+                  </a:ext>
+                </a:extLst>
+              </p:cNvPr>
+              <p:cNvCxnSpPr/>
+              <p:nvPr/>
+            </p:nvCxnSpPr>
+            <p:spPr>
+              <a:xfrm>
+                <a:off x="223687" y="2743200"/>
+                <a:ext cx="3010167" cy="0"/>
+              </a:xfrm>
+              <a:prstGeom prst="line">
+                <a:avLst/>
+              </a:prstGeom>
+              <a:ln>
+                <a:solidFill>
+                  <a:srgbClr val="C7C7C7"/>
+                </a:solidFill>
+              </a:ln>
+            </p:spPr>
+            <p:style>
+              <a:lnRef idx="1">
+                <a:schemeClr val="accent1"/>
+              </a:lnRef>
+              <a:fillRef idx="0">
+                <a:schemeClr val="accent1"/>
+              </a:fillRef>
+              <a:effectRef idx="0">
+                <a:schemeClr val="accent1"/>
+              </a:effectRef>
+              <a:fontRef idx="minor">
+                <a:schemeClr val="tx1"/>
+              </a:fontRef>
+            </p:style>
+          </p:cxnSp>
+          <p:cxnSp>
+            <p:nvCxnSpPr>
+              <p:cNvPr id="39" name="直接连接符 38">
+                <a:extLst>
+                  <a:ext uri="{FF2B5EF4-FFF2-40B4-BE49-F238E27FC236}">
+                    <a16:creationId xmlns:a16="http://schemas.microsoft.com/office/drawing/2014/main" id="{65F57A9E-FF54-4D1D-A779-EF10282FB9A1}"/>
+                  </a:ext>
+                </a:extLst>
+              </p:cNvPr>
+              <p:cNvCxnSpPr>
+                <a:cxnSpLocks/>
+              </p:cNvCxnSpPr>
+              <p:nvPr/>
+            </p:nvCxnSpPr>
+            <p:spPr>
+              <a:xfrm>
+                <a:off x="223687" y="2376821"/>
+                <a:ext cx="3010167" cy="0"/>
+              </a:xfrm>
+              <a:prstGeom prst="line">
+                <a:avLst/>
+              </a:prstGeom>
+              <a:ln>
+                <a:solidFill>
+                  <a:srgbClr val="C7C7C7"/>
+                </a:solidFill>
+              </a:ln>
+            </p:spPr>
+            <p:style>
+              <a:lnRef idx="1">
+                <a:schemeClr val="accent1"/>
+              </a:lnRef>
+              <a:fillRef idx="0">
+                <a:schemeClr val="accent1"/>
+              </a:fillRef>
+              <a:effectRef idx="0">
+                <a:schemeClr val="accent1"/>
+              </a:effectRef>
+              <a:fontRef idx="minor">
+                <a:schemeClr val="tx1"/>
+              </a:fontRef>
+            </p:style>
+          </p:cxnSp>
+        </p:grpSp>
+        <p:sp>
+          <p:nvSpPr>
+            <p:cNvPr id="35" name="文本框 34">
+              <a:extLst>
+                <a:ext uri="{FF2B5EF4-FFF2-40B4-BE49-F238E27FC236}">
+                  <a16:creationId xmlns:a16="http://schemas.microsoft.com/office/drawing/2014/main" id="{73E8A923-C7AE-4A18-A6D8-16257BC4C707}"/>
+                </a:ext>
+              </a:extLst>
+            </p:cNvPr>
+            <p:cNvSpPr txBox="1"/>
+            <p:nvPr/>
+          </p:nvSpPr>
+          <p:spPr>
+            <a:xfrm>
+              <a:off x="650489" y="1515976"/>
+              <a:ext cx="1397619" cy="261610"/>
+            </a:xfrm>
+            <a:prstGeom prst="rect">
+              <a:avLst/>
+            </a:prstGeom>
+            <a:noFill/>
+          </p:spPr>
+          <p:txBody>
+            <a:bodyPr wrap="square" rtlCol="0">
+              <a:spAutoFit/>
+            </a:bodyPr>
+            <a:lstStyle/>
+            <a:p>
+              <a:pPr algn="l"/>
+              <a:r>
+                <a:rPr lang="zh-CN" altLang="en-US" sz="1050" dirty="0">
+                  <a:latin typeface="微软雅黑" panose="020B0503020204020204" pitchFamily="34" charset="-122"/>
+                  <a:ea typeface="微软雅黑" panose="020B0503020204020204" pitchFamily="34" charset="-122"/>
+                </a:rPr>
+                <a:t>多选项</a:t>
+              </a:r>
+            </a:p>
+          </p:txBody>
+        </p:sp>
+      </p:grpSp>
+      <p:sp>
+        <p:nvSpPr>
+          <p:cNvPr id="3" name="矩形 2">
+            <a:extLst>
+              <a:ext uri="{FF2B5EF4-FFF2-40B4-BE49-F238E27FC236}">
+                <a16:creationId xmlns:a16="http://schemas.microsoft.com/office/drawing/2014/main" id="{7ED95B47-8370-4AE6-B416-B0CA3CBF568D}"/>
+              </a:ext>
+            </a:extLst>
+          </p:cNvPr>
+          <p:cNvSpPr/>
+          <p:nvPr/>
+        </p:nvSpPr>
+        <p:spPr>
+          <a:xfrm>
+            <a:off x="46243" y="2237235"/>
+            <a:ext cx="3244437" cy="765717"/>
+          </a:xfrm>
+          <a:prstGeom prst="rect">
+            <a:avLst/>
+          </a:prstGeom>
+          <a:solidFill>
+            <a:schemeClr val="bg1"/>
+          </a:solidFill>
+          <a:ln>
+            <a:noFill/>
+          </a:ln>
+        </p:spPr>
+        <p:style>
+          <a:lnRef idx="2">
+            <a:schemeClr val="accent1">
+              <a:shade val="50000"/>
+            </a:schemeClr>
+          </a:lnRef>
+          <a:fillRef idx="1">
+            <a:schemeClr val="accent1"/>
+          </a:fillRef>
+          <a:effectRef idx="0">
+            <a:schemeClr val="accent1"/>
+          </a:effectRef>
+          <a:fontRef idx="minor">
+            <a:schemeClr val="lt1"/>
+          </a:fontRef>
+        </p:style>
+        <p:txBody>
+          <a:bodyPr rtlCol="0" anchor="ctr"/>
+          <a:lstStyle/>
+          <a:p>
+            <a:pPr algn="l">
+              <a:lnSpc>
+                <a:spcPct val="150000"/>
+              </a:lnSpc>
+            </a:pPr>
+            <a:endParaRPr lang="zh-CN" altLang="en-US" sz="1000" dirty="0">
+              <a:solidFill>
+                <a:schemeClr val="tx1"/>
+              </a:solidFill>
+              <a:latin typeface="微软雅黑" panose="020B0503020204020204" pitchFamily="34" charset="-122"/>
+              <a:ea typeface="微软雅黑" panose="020B0503020204020204" pitchFamily="34" charset="-122"/>
+            </a:endParaRPr>
+          </a:p>
+        </p:txBody>
+      </p:sp>
+      <p:grpSp>
+        <p:nvGrpSpPr>
+          <p:cNvPr id="7" name="组合 6">
+            <a:extLst>
+              <a:ext uri="{FF2B5EF4-FFF2-40B4-BE49-F238E27FC236}">
+                <a16:creationId xmlns:a16="http://schemas.microsoft.com/office/drawing/2014/main" id="{A7027D38-CE3E-4F05-896A-C68CFA659CD9}"/>
+              </a:ext>
+            </a:extLst>
+          </p:cNvPr>
+          <p:cNvGrpSpPr/>
+          <p:nvPr/>
+        </p:nvGrpSpPr>
+        <p:grpSpPr>
+          <a:xfrm>
+            <a:off x="618673" y="2289247"/>
+            <a:ext cx="676572" cy="661690"/>
+            <a:chOff x="89146" y="3077687"/>
+            <a:chExt cx="676572" cy="661690"/>
+          </a:xfrm>
+        </p:grpSpPr>
+        <p:pic>
+          <p:nvPicPr>
+            <p:cNvPr id="4" name="图片 3">
+              <a:extLst>
+                <a:ext uri="{FF2B5EF4-FFF2-40B4-BE49-F238E27FC236}">
+                  <a16:creationId xmlns:a16="http://schemas.microsoft.com/office/drawing/2014/main" id="{04716756-20A3-4399-BD9C-51B39750B07F}"/>
+                </a:ext>
+              </a:extLst>
+            </p:cNvPr>
+            <p:cNvPicPr>
+              <a:picLocks noChangeAspect="1"/>
+            </p:cNvPicPr>
+            <p:nvPr/>
+          </p:nvPicPr>
+          <p:blipFill rotWithShape="1">
+            <a:blip r:embed="rId4">
+              <a:extLst>
+                <a:ext uri="{BEBA8EAE-BF5A-486C-A8C5-ECC9F3942E4B}">
+                  <a14:imgProps xmlns:a14="http://schemas.microsoft.com/office/drawing/2010/main">
+                    <a14:imgLayer r:embed="rId5">
+                      <a14:imgEffect>
+                        <a14:backgroundRemoval t="1571" b="94764" l="390" r="25228"/>
+                      </a14:imgEffect>
+                    </a14:imgLayer>
+                  </a14:imgProps>
+                </a:ext>
+              </a:extLst>
+            </a:blip>
+            <a:srcRect l="2672" t="7612" r="77053" b="12551"/>
+            <a:stretch/>
+          </p:blipFill>
+          <p:spPr>
+            <a:xfrm>
+              <a:off x="89146" y="3077687"/>
+              <a:ext cx="676572" cy="661690"/>
+            </a:xfrm>
+            <a:prstGeom prst="rect">
+              <a:avLst/>
+            </a:prstGeom>
+          </p:spPr>
+        </p:pic>
+        <p:cxnSp>
+          <p:nvCxnSpPr>
+            <p:cNvPr id="6" name="直接连接符 5">
+              <a:extLst>
+                <a:ext uri="{FF2B5EF4-FFF2-40B4-BE49-F238E27FC236}">
+                  <a16:creationId xmlns:a16="http://schemas.microsoft.com/office/drawing/2014/main" id="{61F53716-489F-444A-9A6B-749C8D81FE4C}"/>
+                </a:ext>
+              </a:extLst>
+            </p:cNvPr>
+            <p:cNvCxnSpPr/>
+            <p:nvPr/>
+          </p:nvCxnSpPr>
+          <p:spPr>
+            <a:xfrm>
+              <a:off x="311583" y="3429000"/>
+              <a:ext cx="216983" cy="0"/>
+            </a:xfrm>
+            <a:prstGeom prst="line">
+              <a:avLst/>
+            </a:prstGeom>
+            <a:ln w="19050">
+              <a:solidFill>
+                <a:srgbClr val="CDCDCD"/>
+              </a:solidFill>
+            </a:ln>
+          </p:spPr>
+          <p:style>
+            <a:lnRef idx="1">
+              <a:schemeClr val="accent1"/>
+            </a:lnRef>
+            <a:fillRef idx="0">
+              <a:schemeClr val="accent1"/>
+            </a:fillRef>
+            <a:effectRef idx="0">
+              <a:schemeClr val="accent1"/>
+            </a:effectRef>
+            <a:fontRef idx="minor">
+              <a:schemeClr val="tx1"/>
+            </a:fontRef>
+          </p:style>
+        </p:cxnSp>
+      </p:grpSp>
+      <p:grpSp>
+        <p:nvGrpSpPr>
+          <p:cNvPr id="14" name="组合 13">
+            <a:extLst>
+              <a:ext uri="{FF2B5EF4-FFF2-40B4-BE49-F238E27FC236}">
+                <a16:creationId xmlns:a16="http://schemas.microsoft.com/office/drawing/2014/main" id="{2FCC58D9-9297-425E-94AA-597508FA6156}"/>
+              </a:ext>
+            </a:extLst>
+          </p:cNvPr>
+          <p:cNvGrpSpPr/>
+          <p:nvPr/>
+        </p:nvGrpSpPr>
+        <p:grpSpPr>
+          <a:xfrm>
+            <a:off x="123500" y="2392973"/>
+            <a:ext cx="495173" cy="495173"/>
+            <a:chOff x="498525" y="3384984"/>
+            <a:chExt cx="495173" cy="495173"/>
+          </a:xfrm>
+        </p:grpSpPr>
+        <p:grpSp>
+          <p:nvGrpSpPr>
+            <p:cNvPr id="41" name="组合 40">
+              <a:extLst>
+                <a:ext uri="{FF2B5EF4-FFF2-40B4-BE49-F238E27FC236}">
+                  <a16:creationId xmlns:a16="http://schemas.microsoft.com/office/drawing/2014/main" id="{3081F8D6-8299-4C4C-B264-2FA8DCEC4BE6}"/>
+                </a:ext>
+              </a:extLst>
+            </p:cNvPr>
+            <p:cNvGrpSpPr/>
+            <p:nvPr/>
+          </p:nvGrpSpPr>
+          <p:grpSpPr>
+            <a:xfrm>
+              <a:off x="498525" y="3384984"/>
+              <a:ext cx="495173" cy="495173"/>
+              <a:chOff x="798368" y="3184215"/>
+              <a:chExt cx="495173" cy="495173"/>
+            </a:xfrm>
+          </p:grpSpPr>
+          <p:sp>
+            <p:nvSpPr>
+              <p:cNvPr id="42" name="矩形 41">
+                <a:extLst>
+                  <a:ext uri="{FF2B5EF4-FFF2-40B4-BE49-F238E27FC236}">
+                    <a16:creationId xmlns:a16="http://schemas.microsoft.com/office/drawing/2014/main" id="{40429956-4807-4B25-BA40-BA39075B2673}"/>
+                  </a:ext>
+                </a:extLst>
+              </p:cNvPr>
+              <p:cNvSpPr/>
+              <p:nvPr/>
+            </p:nvSpPr>
+            <p:spPr>
+              <a:xfrm>
+                <a:off x="798368" y="3184215"/>
+                <a:ext cx="495173" cy="495173"/>
+              </a:xfrm>
+              <a:prstGeom prst="rect">
+                <a:avLst/>
+              </a:prstGeom>
+              <a:noFill/>
+              <a:ln>
+                <a:solidFill>
+                  <a:srgbClr val="CECECE"/>
+                </a:solidFill>
+              </a:ln>
+            </p:spPr>
+            <p:style>
+              <a:lnRef idx="2">
+                <a:schemeClr val="accent1">
+                  <a:shade val="50000"/>
+                </a:schemeClr>
+              </a:lnRef>
+              <a:fillRef idx="1">
+                <a:schemeClr val="accent1"/>
+              </a:fillRef>
+              <a:effectRef idx="0">
+                <a:schemeClr val="accent1"/>
+              </a:effectRef>
+              <a:fontRef idx="minor">
+                <a:schemeClr val="lt1"/>
+              </a:fontRef>
+            </p:style>
+            <p:txBody>
+              <a:bodyPr rtlCol="0" anchor="ctr"/>
+              <a:lstStyle/>
+              <a:p>
+                <a:pPr algn="l">
+                  <a:lnSpc>
+                    <a:spcPct val="150000"/>
+                  </a:lnSpc>
+                </a:pPr>
+                <a:endParaRPr lang="zh-CN" altLang="en-US" sz="1000" dirty="0">
+                  <a:solidFill>
+                    <a:schemeClr val="tx1"/>
+                  </a:solidFill>
+                  <a:latin typeface="微软雅黑" panose="020B0503020204020204" pitchFamily="34" charset="-122"/>
+                  <a:ea typeface="微软雅黑" panose="020B0503020204020204" pitchFamily="34" charset="-122"/>
+                </a:endParaRPr>
+              </a:p>
+            </p:txBody>
+          </p:sp>
+          <p:cxnSp>
+            <p:nvCxnSpPr>
+              <p:cNvPr id="43" name="直接连接符 42">
+                <a:extLst>
+                  <a:ext uri="{FF2B5EF4-FFF2-40B4-BE49-F238E27FC236}">
+                    <a16:creationId xmlns:a16="http://schemas.microsoft.com/office/drawing/2014/main" id="{7AB9D000-63BC-4301-BE3A-3FCB4AB5E678}"/>
+                  </a:ext>
+                </a:extLst>
+              </p:cNvPr>
+              <p:cNvCxnSpPr/>
+              <p:nvPr/>
+            </p:nvCxnSpPr>
+            <p:spPr>
+              <a:xfrm>
+                <a:off x="937463" y="3431801"/>
+                <a:ext cx="216983" cy="0"/>
+              </a:xfrm>
+              <a:prstGeom prst="line">
+                <a:avLst/>
+              </a:prstGeom>
+              <a:ln w="19050">
+                <a:solidFill>
+                  <a:srgbClr val="CDCDCD"/>
+                </a:solidFill>
+              </a:ln>
+            </p:spPr>
+            <p:style>
+              <a:lnRef idx="1">
+                <a:schemeClr val="accent1"/>
+              </a:lnRef>
+              <a:fillRef idx="0">
+                <a:schemeClr val="accent1"/>
+              </a:fillRef>
+              <a:effectRef idx="0">
+                <a:schemeClr val="accent1"/>
+              </a:effectRef>
+              <a:fontRef idx="minor">
+                <a:schemeClr val="tx1"/>
+              </a:fontRef>
+            </p:style>
+          </p:cxnSp>
+        </p:grpSp>
+        <p:cxnSp>
+          <p:nvCxnSpPr>
+            <p:cNvPr id="44" name="直接连接符 43">
+              <a:extLst>
+                <a:ext uri="{FF2B5EF4-FFF2-40B4-BE49-F238E27FC236}">
+                  <a16:creationId xmlns:a16="http://schemas.microsoft.com/office/drawing/2014/main" id="{533CE765-F497-4301-A9E1-89F61ED868CD}"/>
+                </a:ext>
+              </a:extLst>
+            </p:cNvPr>
+            <p:cNvCxnSpPr>
+              <a:cxnSpLocks/>
+            </p:cNvCxnSpPr>
+            <p:nvPr/>
+          </p:nvCxnSpPr>
+          <p:spPr>
+            <a:xfrm>
+              <a:off x="746111" y="3524725"/>
+              <a:ext cx="0" cy="215690"/>
+            </a:xfrm>
+            <a:prstGeom prst="line">
+              <a:avLst/>
+            </a:prstGeom>
+            <a:ln w="19050">
+              <a:solidFill>
+                <a:srgbClr val="CDCDCD"/>
+              </a:solidFill>
+            </a:ln>
+          </p:spPr>
+          <p:style>
+            <a:lnRef idx="1">
+              <a:schemeClr val="accent1"/>
+            </a:lnRef>
+            <a:fillRef idx="0">
+              <a:schemeClr val="accent1"/>
+            </a:fillRef>
+            <a:effectRef idx="0">
+              <a:schemeClr val="accent1"/>
+            </a:effectRef>
+            <a:fontRef idx="minor">
+              <a:schemeClr val="tx1"/>
+            </a:fontRef>
+          </p:style>
+        </p:cxnSp>
+      </p:grpSp>
+    </p:spTree>
+    <p:extLst>
+      <p:ext uri="{BB962C8B-B14F-4D97-AF65-F5344CB8AC3E}">
+        <p14:creationId xmlns:p14="http://schemas.microsoft.com/office/powerpoint/2010/main" val="875509861"/>
+      </p:ext>
+    </p:extLst>
+  </p:cSld>
+  <p:clrMapOvr>
+    <a:masterClrMapping/>
+  </p:clrMapOvr>
+</p:sld>
+</file>
+
 <file path=ppt/theme/theme1.xml><?xml version="1.0" encoding="utf-8"?>
 <a:theme xmlns:a="http://schemas.openxmlformats.org/drawingml/2006/main" name="自定义设计方案">
   <a:themeElements>

--- a/trunk/product/muUIComponent.pptx
+++ b/trunk/product/muUIComponent.pptx
@@ -200,7 +200,7 @@
           <a:p>
             <a:fld id="{B1E02C17-1937-9641-AD08-3D82D65EE5E6}" type="datetimeFigureOut">
               <a:rPr kumimoji="1" lang="zh-CN" altLang="en-US" smtClean="0"/>
-              <a:t>2018/2/7</a:t>
+              <a:t>2018/2/22</a:t>
             </a:fld>
             <a:endParaRPr kumimoji="1" lang="zh-CN" altLang="en-US"/>
           </a:p>
@@ -8018,6 +8018,319 @@
           </p:style>
         </p:cxnSp>
       </p:grpSp>
+      <p:grpSp>
+        <p:nvGrpSpPr>
+          <p:cNvPr id="12" name="组合 11">
+            <a:extLst>
+              <a:ext uri="{FF2B5EF4-FFF2-40B4-BE49-F238E27FC236}">
+                <a16:creationId xmlns:a16="http://schemas.microsoft.com/office/drawing/2014/main" id="{D363AB99-950E-4B54-9E8A-DB64BC1CBA91}"/>
+              </a:ext>
+            </a:extLst>
+          </p:cNvPr>
+          <p:cNvGrpSpPr/>
+          <p:nvPr/>
+        </p:nvGrpSpPr>
+        <p:grpSpPr>
+          <a:xfrm>
+            <a:off x="46243" y="3429000"/>
+            <a:ext cx="3244437" cy="1484971"/>
+            <a:chOff x="46243" y="3429000"/>
+            <a:chExt cx="3244437" cy="1484971"/>
+          </a:xfrm>
+        </p:grpSpPr>
+        <p:sp>
+          <p:nvSpPr>
+            <p:cNvPr id="2" name="矩形: 圆角 1">
+              <a:extLst>
+                <a:ext uri="{FF2B5EF4-FFF2-40B4-BE49-F238E27FC236}">
+                  <a16:creationId xmlns:a16="http://schemas.microsoft.com/office/drawing/2014/main" id="{B370BBC0-FF5A-4F27-B881-ACC7E90AA4A2}"/>
+                </a:ext>
+              </a:extLst>
+            </p:cNvPr>
+            <p:cNvSpPr/>
+            <p:nvPr/>
+          </p:nvSpPr>
+          <p:spPr>
+            <a:xfrm>
+              <a:off x="46243" y="3429000"/>
+              <a:ext cx="3244437" cy="1484971"/>
+            </a:xfrm>
+            <a:prstGeom prst="roundRect">
+              <a:avLst>
+                <a:gd name="adj" fmla="val 2673"/>
+              </a:avLst>
+            </a:prstGeom>
+            <a:solidFill>
+              <a:schemeClr val="bg1"/>
+            </a:solidFill>
+            <a:ln>
+              <a:noFill/>
+            </a:ln>
+            <a:effectLst>
+              <a:outerShdw blurRad="63500" sx="102000" sy="102000" algn="ctr" rotWithShape="0">
+                <a:prstClr val="black">
+                  <a:alpha val="40000"/>
+                </a:prstClr>
+              </a:outerShdw>
+            </a:effectLst>
+          </p:spPr>
+          <p:style>
+            <a:lnRef idx="2">
+              <a:schemeClr val="accent1">
+                <a:shade val="50000"/>
+              </a:schemeClr>
+            </a:lnRef>
+            <a:fillRef idx="1">
+              <a:schemeClr val="accent1"/>
+            </a:fillRef>
+            <a:effectRef idx="0">
+              <a:schemeClr val="accent1"/>
+            </a:effectRef>
+            <a:fontRef idx="minor">
+              <a:schemeClr val="lt1"/>
+            </a:fontRef>
+          </p:style>
+          <p:txBody>
+            <a:bodyPr rtlCol="0" anchor="ctr"/>
+            <a:lstStyle/>
+            <a:p>
+              <a:pPr algn="l">
+                <a:lnSpc>
+                  <a:spcPct val="150000"/>
+                </a:lnSpc>
+              </a:pPr>
+              <a:endParaRPr lang="zh-CN" altLang="en-US" sz="1000" dirty="0">
+                <a:solidFill>
+                  <a:schemeClr val="tx1"/>
+                </a:solidFill>
+                <a:latin typeface="微软雅黑" panose="020B0503020204020204" pitchFamily="34" charset="-122"/>
+                <a:ea typeface="微软雅黑" panose="020B0503020204020204" pitchFamily="34" charset="-122"/>
+              </a:endParaRPr>
+            </a:p>
+          </p:txBody>
+        </p:sp>
+        <p:cxnSp>
+          <p:nvCxnSpPr>
+            <p:cNvPr id="40" name="直接连接符 39">
+              <a:extLst>
+                <a:ext uri="{FF2B5EF4-FFF2-40B4-BE49-F238E27FC236}">
+                  <a16:creationId xmlns:a16="http://schemas.microsoft.com/office/drawing/2014/main" id="{3AA5FB30-95E7-4F16-9BEC-2DAD119A76BD}"/>
+                </a:ext>
+              </a:extLst>
+            </p:cNvPr>
+            <p:cNvCxnSpPr>
+              <a:cxnSpLocks/>
+            </p:cNvCxnSpPr>
+            <p:nvPr/>
+          </p:nvCxnSpPr>
+          <p:spPr>
+            <a:xfrm>
+              <a:off x="46243" y="4480161"/>
+              <a:ext cx="3244437" cy="0"/>
+            </a:xfrm>
+            <a:prstGeom prst="line">
+              <a:avLst/>
+            </a:prstGeom>
+            <a:ln>
+              <a:solidFill>
+                <a:srgbClr val="C7C7C7"/>
+              </a:solidFill>
+            </a:ln>
+          </p:spPr>
+          <p:style>
+            <a:lnRef idx="1">
+              <a:schemeClr val="accent1"/>
+            </a:lnRef>
+            <a:fillRef idx="0">
+              <a:schemeClr val="accent1"/>
+            </a:fillRef>
+            <a:effectRef idx="0">
+              <a:schemeClr val="accent1"/>
+            </a:effectRef>
+            <a:fontRef idx="minor">
+              <a:schemeClr val="tx1"/>
+            </a:fontRef>
+          </p:style>
+        </p:cxnSp>
+        <p:sp>
+          <p:nvSpPr>
+            <p:cNvPr id="45" name="文本框 44">
+              <a:extLst>
+                <a:ext uri="{FF2B5EF4-FFF2-40B4-BE49-F238E27FC236}">
+                  <a16:creationId xmlns:a16="http://schemas.microsoft.com/office/drawing/2014/main" id="{9C04CEDB-0BC5-423A-B6F3-575500030598}"/>
+                </a:ext>
+              </a:extLst>
+            </p:cNvPr>
+            <p:cNvSpPr txBox="1"/>
+            <p:nvPr/>
+          </p:nvSpPr>
+          <p:spPr>
+            <a:xfrm>
+              <a:off x="841110" y="3564309"/>
+              <a:ext cx="1397619" cy="261610"/>
+            </a:xfrm>
+            <a:prstGeom prst="rect">
+              <a:avLst/>
+            </a:prstGeom>
+            <a:noFill/>
+          </p:spPr>
+          <p:txBody>
+            <a:bodyPr wrap="square" rtlCol="0">
+              <a:spAutoFit/>
+            </a:bodyPr>
+            <a:lstStyle/>
+            <a:p>
+              <a:pPr algn="ctr"/>
+              <a:r>
+                <a:rPr lang="zh-CN" altLang="en-US" sz="1050" dirty="0">
+                  <a:latin typeface="微软雅黑" panose="020B0503020204020204" pitchFamily="34" charset="-122"/>
+                  <a:ea typeface="微软雅黑" panose="020B0503020204020204" pitchFamily="34" charset="-122"/>
+                </a:rPr>
+                <a:t>提示</a:t>
+              </a:r>
+            </a:p>
+          </p:txBody>
+        </p:sp>
+        <p:sp>
+          <p:nvSpPr>
+            <p:cNvPr id="9" name="文本框 8">
+              <a:extLst>
+                <a:ext uri="{FF2B5EF4-FFF2-40B4-BE49-F238E27FC236}">
+                  <a16:creationId xmlns:a16="http://schemas.microsoft.com/office/drawing/2014/main" id="{CE81C08C-0A27-4B18-890C-8E765390C640}"/>
+                </a:ext>
+              </a:extLst>
+            </p:cNvPr>
+            <p:cNvSpPr txBox="1"/>
+            <p:nvPr/>
+          </p:nvSpPr>
+          <p:spPr>
+            <a:xfrm>
+              <a:off x="223684" y="3930687"/>
+              <a:ext cx="2864837" cy="215444"/>
+            </a:xfrm>
+            <a:prstGeom prst="rect">
+              <a:avLst/>
+            </a:prstGeom>
+            <a:noFill/>
+          </p:spPr>
+          <p:txBody>
+            <a:bodyPr wrap="square" rtlCol="0">
+              <a:spAutoFit/>
+            </a:bodyPr>
+            <a:lstStyle/>
+            <a:p>
+              <a:pPr algn="l"/>
+              <a:r>
+                <a:rPr lang="en-US" altLang="zh-CN" sz="800" dirty="0">
+                  <a:solidFill>
+                    <a:schemeClr val="bg1">
+                      <a:lumMod val="75000"/>
+                    </a:schemeClr>
+                  </a:solidFill>
+                  <a:latin typeface="微软雅黑" panose="020B0503020204020204" pitchFamily="34" charset="-122"/>
+                  <a:ea typeface="微软雅黑" panose="020B0503020204020204" pitchFamily="34" charset="-122"/>
+                </a:rPr>
+                <a:t>XXXXXXXXXXXXXXXXXXXXXXX</a:t>
+              </a:r>
+              <a:endParaRPr lang="zh-CN" altLang="en-US" sz="800" dirty="0">
+                <a:solidFill>
+                  <a:schemeClr val="bg1">
+                    <a:lumMod val="75000"/>
+                  </a:schemeClr>
+                </a:solidFill>
+                <a:latin typeface="微软雅黑" panose="020B0503020204020204" pitchFamily="34" charset="-122"/>
+                <a:ea typeface="微软雅黑" panose="020B0503020204020204" pitchFamily="34" charset="-122"/>
+              </a:endParaRPr>
+            </a:p>
+          </p:txBody>
+        </p:sp>
+        <p:sp>
+          <p:nvSpPr>
+            <p:cNvPr id="11" name="文本框 10">
+              <a:extLst>
+                <a:ext uri="{FF2B5EF4-FFF2-40B4-BE49-F238E27FC236}">
+                  <a16:creationId xmlns:a16="http://schemas.microsoft.com/office/drawing/2014/main" id="{775C0567-F540-462B-88DC-66F7005E692F}"/>
+                </a:ext>
+              </a:extLst>
+            </p:cNvPr>
+            <p:cNvSpPr txBox="1"/>
+            <p:nvPr/>
+          </p:nvSpPr>
+          <p:spPr>
+            <a:xfrm>
+              <a:off x="2527559" y="4570108"/>
+              <a:ext cx="763121" cy="253916"/>
+            </a:xfrm>
+            <a:prstGeom prst="rect">
+              <a:avLst/>
+            </a:prstGeom>
+            <a:noFill/>
+          </p:spPr>
+          <p:txBody>
+            <a:bodyPr wrap="square" rtlCol="0">
+              <a:spAutoFit/>
+            </a:bodyPr>
+            <a:lstStyle/>
+            <a:p>
+              <a:pPr algn="ctr"/>
+              <a:r>
+                <a:rPr lang="zh-CN" altLang="en-US" sz="1000" dirty="0">
+                  <a:solidFill>
+                    <a:srgbClr val="09BB07"/>
+                  </a:solidFill>
+                  <a:latin typeface="微软雅黑" panose="020B0503020204020204" pitchFamily="34" charset="-122"/>
+                  <a:ea typeface="微软雅黑" panose="020B0503020204020204" pitchFamily="34" charset="-122"/>
+                </a:rPr>
+                <a:t>确定</a:t>
+              </a:r>
+            </a:p>
+          </p:txBody>
+        </p:sp>
+        <p:sp>
+          <p:nvSpPr>
+            <p:cNvPr id="46" name="文本框 45">
+              <a:extLst>
+                <a:ext uri="{FF2B5EF4-FFF2-40B4-BE49-F238E27FC236}">
+                  <a16:creationId xmlns:a16="http://schemas.microsoft.com/office/drawing/2014/main" id="{AA44BB20-6D0B-4BB1-92F6-03A7AAADACDA}"/>
+                </a:ext>
+              </a:extLst>
+            </p:cNvPr>
+            <p:cNvSpPr txBox="1"/>
+            <p:nvPr/>
+          </p:nvSpPr>
+          <p:spPr>
+            <a:xfrm>
+              <a:off x="77989" y="4565560"/>
+              <a:ext cx="763121" cy="246221"/>
+            </a:xfrm>
+            <a:prstGeom prst="rect">
+              <a:avLst/>
+            </a:prstGeom>
+            <a:noFill/>
+          </p:spPr>
+          <p:txBody>
+            <a:bodyPr wrap="square" rtlCol="0">
+              <a:spAutoFit/>
+            </a:bodyPr>
+            <a:lstStyle/>
+            <a:p>
+              <a:pPr algn="ctr"/>
+              <a:r>
+                <a:rPr lang="zh-CN" altLang="en-US" sz="1000" dirty="0">
+                  <a:solidFill>
+                    <a:schemeClr val="bg1">
+                      <a:lumMod val="75000"/>
+                    </a:schemeClr>
+                  </a:solidFill>
+                  <a:latin typeface="微软雅黑" panose="020B0503020204020204" pitchFamily="34" charset="-122"/>
+                  <a:ea typeface="微软雅黑" panose="020B0503020204020204" pitchFamily="34" charset="-122"/>
+                </a:rPr>
+                <a:t>取消</a:t>
+              </a:r>
+            </a:p>
+          </p:txBody>
+        </p:sp>
+      </p:grpSp>
     </p:spTree>
     <p:extLst>
       <p:ext uri="{BB962C8B-B14F-4D97-AF65-F5344CB8AC3E}">

--- a/trunk/product/muUIComponent.pptx
+++ b/trunk/product/muUIComponent.pptx
@@ -200,7 +200,7 @@
           <a:p>
             <a:fld id="{B1E02C17-1937-9641-AD08-3D82D65EE5E6}" type="datetimeFigureOut">
               <a:rPr kumimoji="1" lang="zh-CN" altLang="en-US" smtClean="0"/>
-              <a:t>2018/2/22</a:t>
+              <a:t>2018/3/5</a:t>
             </a:fld>
             <a:endParaRPr kumimoji="1" lang="zh-CN" altLang="en-US"/>
           </a:p>
